--- a/programmingWindows_5.pptx
+++ b/programmingWindows_5.pptx
@@ -3466,7 +3466,7 @@
           <a:p>
             <a:fld id="{62B690D2-9F6C-4A40-B045-5871089CDE7B}" type="datetimeFigureOut">
               <a:rPr lang="zh-CN" altLang="en-US" smtClean="0"/>
-              <a:t>2019/9/29</a:t>
+              <a:t>2019/9/30</a:t>
             </a:fld>
             <a:endParaRPr lang="zh-CN" altLang="en-US"/>
           </a:p>
@@ -3777,6 +3777,24 @@
           <a:bodyPr/>
           <a:lstStyle/>
           <a:p>
+            <a:r>
+              <a:rPr lang="en-US" altLang="zh-CN" dirty="0"/>
+              <a:t>A message is an item of data that is sent to a specific destination</a:t>
+            </a:r>
+            <a:r>
+              <a:rPr lang="en-US" altLang="zh-CN"/>
+              <a:t>. </a:t>
+            </a:r>
+          </a:p>
+          <a:p>
+            <a:r>
+              <a:rPr lang="en-US" altLang="zh-CN"/>
+              <a:t>An </a:t>
+            </a:r>
+            <a:r>
+              <a:rPr lang="en-US" altLang="zh-CN" dirty="0"/>
+              <a:t>event is a signal emitted by a component upon reaching a given state.</a:t>
+            </a:r>
             <a:endParaRPr lang="zh-CN" altLang="en-US" dirty="0"/>
           </a:p>
         </p:txBody>
@@ -3798,7 +3816,7 @@
           <a:p>
             <a:fld id="{FF6B7014-1CA7-42FF-9E69-87C27AE33F47}" type="slidenum">
               <a:rPr lang="zh-CN" altLang="en-US" smtClean="0"/>
-              <a:t>27</a:t>
+              <a:t>2</a:t>
             </a:fld>
             <a:endParaRPr lang="zh-CN" altLang="en-US"/>
           </a:p>
@@ -3807,7 +3825,91 @@
     </p:spTree>
     <p:extLst>
       <p:ext uri="{BB962C8B-B14F-4D97-AF65-F5344CB8AC3E}">
-        <p14:creationId xmlns:p14="http://schemas.microsoft.com/office/powerpoint/2010/main" val="2135593472"/>
+        <p14:creationId xmlns:p14="http://schemas.microsoft.com/office/powerpoint/2010/main" val="1894578259"/>
+      </p:ext>
+    </p:extLst>
+  </p:cSld>
+  <p:clrMapOvr>
+    <a:masterClrMapping/>
+  </p:clrMapOvr>
+</p:notes>
+</file>
+
+<file path=ppt/notesSlides/notesSlide10.xml><?xml version="1.0" encoding="utf-8"?>
+<p:notes xmlns:a="http://schemas.openxmlformats.org/drawingml/2006/main" xmlns:r="http://schemas.openxmlformats.org/officeDocument/2006/relationships" xmlns:p="http://schemas.openxmlformats.org/presentationml/2006/main">
+  <p:cSld>
+    <p:spTree>
+      <p:nvGrpSpPr>
+        <p:cNvPr id="1" name=""/>
+        <p:cNvGrpSpPr/>
+        <p:nvPr/>
+      </p:nvGrpSpPr>
+      <p:grpSpPr>
+        <a:xfrm>
+          <a:off x="0" y="0"/>
+          <a:ext cx="0" cy="0"/>
+          <a:chOff x="0" y="0"/>
+          <a:chExt cx="0" cy="0"/>
+        </a:xfrm>
+      </p:grpSpPr>
+      <p:sp>
+        <p:nvSpPr>
+          <p:cNvPr id="2" name="幻灯片图像占位符 1"/>
+          <p:cNvSpPr>
+            <a:spLocks noGrp="1" noRot="1" noChangeAspect="1"/>
+          </p:cNvSpPr>
+          <p:nvPr>
+            <p:ph type="sldImg"/>
+          </p:nvPr>
+        </p:nvSpPr>
+        <p:spPr/>
+      </p:sp>
+      <p:sp>
+        <p:nvSpPr>
+          <p:cNvPr id="3" name="备注占位符 2"/>
+          <p:cNvSpPr>
+            <a:spLocks noGrp="1"/>
+          </p:cNvSpPr>
+          <p:nvPr>
+            <p:ph type="body" idx="1"/>
+          </p:nvPr>
+        </p:nvSpPr>
+        <p:spPr/>
+        <p:txBody>
+          <a:bodyPr/>
+          <a:lstStyle/>
+          <a:p>
+            <a:endParaRPr lang="zh-CN" altLang="en-US" dirty="0"/>
+          </a:p>
+        </p:txBody>
+      </p:sp>
+      <p:sp>
+        <p:nvSpPr>
+          <p:cNvPr id="4" name="灯片编号占位符 3"/>
+          <p:cNvSpPr>
+            <a:spLocks noGrp="1"/>
+          </p:cNvSpPr>
+          <p:nvPr>
+            <p:ph type="sldNum" sz="quarter" idx="5"/>
+          </p:nvPr>
+        </p:nvSpPr>
+        <p:spPr/>
+        <p:txBody>
+          <a:bodyPr/>
+          <a:lstStyle/>
+          <a:p>
+            <a:fld id="{FF6B7014-1CA7-42FF-9E69-87C27AE33F47}" type="slidenum">
+              <a:rPr lang="zh-CN" altLang="en-US" smtClean="0"/>
+              <a:t>63</a:t>
+            </a:fld>
+            <a:endParaRPr lang="zh-CN" altLang="en-US"/>
+          </a:p>
+        </p:txBody>
+      </p:sp>
+    </p:spTree>
+    <p:extLst>
+      <p:ext uri="{BB962C8B-B14F-4D97-AF65-F5344CB8AC3E}">
+        <p14:creationId xmlns:p14="http://schemas.microsoft.com/office/powerpoint/2010/main" val="2114503351"/>
       </p:ext>
     </p:extLst>
   </p:cSld>
@@ -3861,34 +3963,6 @@
           <a:bodyPr/>
           <a:lstStyle/>
           <a:p>
-            <a:r>
-              <a:rPr lang="en-US" altLang="zh-CN" dirty="0"/>
-              <a:t>C# </a:t>
-            </a:r>
-            <a:r>
-              <a:rPr lang="zh-CN" altLang="en-US" dirty="0"/>
-              <a:t>重写</a:t>
-            </a:r>
-            <a:r>
-              <a:rPr lang="en-US" altLang="zh-CN" dirty="0"/>
-              <a:t>(override)</a:t>
-            </a:r>
-            <a:r>
-              <a:rPr lang="zh-CN" altLang="en-US" dirty="0"/>
-              <a:t>与覆盖</a:t>
-            </a:r>
-            <a:r>
-              <a:rPr lang="en-US" altLang="zh-CN" dirty="0"/>
-              <a:t>(new)</a:t>
-            </a:r>
-            <a:r>
-              <a:rPr lang="zh-CN" altLang="en-US" dirty="0"/>
-              <a:t>的差异请</a:t>
-            </a:r>
-            <a:r>
-              <a:rPr lang="en-US" altLang="zh-CN" dirty="0" err="1"/>
-              <a:t>baidu</a:t>
-            </a:r>
             <a:endParaRPr lang="zh-CN" altLang="en-US" dirty="0"/>
           </a:p>
         </p:txBody>
@@ -3910,7 +3984,7 @@
           <a:p>
             <a:fld id="{FF6B7014-1CA7-42FF-9E69-87C27AE33F47}" type="slidenum">
               <a:rPr lang="zh-CN" altLang="en-US" smtClean="0"/>
-              <a:t>41</a:t>
+              <a:t>27</a:t>
             </a:fld>
             <a:endParaRPr lang="zh-CN" altLang="en-US"/>
           </a:p>
@@ -3919,7 +3993,7 @@
     </p:spTree>
     <p:extLst>
       <p:ext uri="{BB962C8B-B14F-4D97-AF65-F5344CB8AC3E}">
-        <p14:creationId xmlns:p14="http://schemas.microsoft.com/office/powerpoint/2010/main" val="2807813257"/>
+        <p14:creationId xmlns:p14="http://schemas.microsoft.com/office/powerpoint/2010/main" val="2135593472"/>
       </p:ext>
     </p:extLst>
   </p:cSld>
@@ -3975,115 +4049,31 @@
           <a:p>
             <a:r>
               <a:rPr lang="en-US" altLang="zh-CN" dirty="0"/>
-              <a:t>[</a:t>
+              <a:t>C# </a:t>
+            </a:r>
+            <a:r>
+              <a:rPr lang="zh-CN" altLang="en-US" dirty="0"/>
+              <a:t>重写</a:t>
+            </a:r>
+            <a:r>
+              <a:rPr lang="en-US" altLang="zh-CN" dirty="0"/>
+              <a:t>(override)</a:t>
+            </a:r>
+            <a:r>
+              <a:rPr lang="zh-CN" altLang="en-US" dirty="0"/>
+              <a:t>与覆盖</a:t>
+            </a:r>
+            <a:r>
+              <a:rPr lang="en-US" altLang="zh-CN" dirty="0"/>
+              <a:t>(new)</a:t>
+            </a:r>
+            <a:r>
+              <a:rPr lang="zh-CN" altLang="en-US" dirty="0"/>
+              <a:t>的差异请</a:t>
             </a:r>
             <a:r>
               <a:rPr lang="en-US" altLang="zh-CN" dirty="0" err="1"/>
-              <a:t>DllImport</a:t>
-            </a:r>
-            <a:r>
-              <a:rPr lang="en-US" altLang="zh-CN" dirty="0"/>
-              <a:t>("User32.dll", </a:t>
-            </a:r>
-            <a:r>
-              <a:rPr lang="en-US" altLang="zh-CN" dirty="0" err="1"/>
-              <a:t>CharSet</a:t>
-            </a:r>
-            <a:r>
-              <a:rPr lang="en-US" altLang="zh-CN" dirty="0"/>
-              <a:t> = </a:t>
-            </a:r>
-            <a:r>
-              <a:rPr lang="en-US" altLang="zh-CN" dirty="0" err="1"/>
-              <a:t>CharSet.Auto</a:t>
-            </a:r>
-            <a:r>
-              <a:rPr lang="en-US" altLang="zh-CN" dirty="0"/>
-              <a:t>, </a:t>
-            </a:r>
-            <a:r>
-              <a:rPr lang="en-US" altLang="zh-CN" dirty="0" err="1"/>
-              <a:t>SetLastError</a:t>
-            </a:r>
-            <a:r>
-              <a:rPr lang="en-US" altLang="zh-CN" dirty="0"/>
-              <a:t> = true)]</a:t>
-            </a:r>
-          </a:p>
-          <a:p>
-            <a:r>
-              <a:rPr lang="en-US" altLang="zh-CN" dirty="0"/>
-              <a:t>[return: </a:t>
-            </a:r>
-            <a:r>
-              <a:rPr lang="en-US" altLang="zh-CN" dirty="0" err="1"/>
-              <a:t>MarshalAs</a:t>
-            </a:r>
-            <a:r>
-              <a:rPr lang="en-US" altLang="zh-CN" dirty="0"/>
-              <a:t>(</a:t>
-            </a:r>
-            <a:r>
-              <a:rPr lang="en-US" altLang="zh-CN" dirty="0" err="1"/>
-              <a:t>UnmanagedType.Bool</a:t>
-            </a:r>
-            <a:r>
-              <a:rPr lang="en-US" altLang="zh-CN" dirty="0"/>
-              <a:t>)]</a:t>
-            </a:r>
-          </a:p>
-          <a:p>
-            <a:r>
-              <a:rPr lang="en-US" altLang="zh-CN" dirty="0"/>
-              <a:t>public static extern bool </a:t>
-            </a:r>
-            <a:r>
-              <a:rPr lang="en-US" altLang="zh-CN" dirty="0" err="1"/>
-              <a:t>PostThreadMessage</a:t>
-            </a:r>
-            <a:r>
-              <a:rPr lang="en-US" altLang="zh-CN" dirty="0"/>
-              <a:t>(int </a:t>
-            </a:r>
-            <a:r>
-              <a:rPr lang="en-US" altLang="zh-CN" dirty="0" err="1"/>
-              <a:t>idThread</a:t>
-            </a:r>
-            <a:r>
-              <a:rPr lang="en-US" altLang="zh-CN" dirty="0"/>
-              <a:t>, int Msg, </a:t>
-            </a:r>
-            <a:r>
-              <a:rPr lang="en-US" altLang="zh-CN" dirty="0" err="1"/>
-              <a:t>IntPtr</a:t>
-            </a:r>
-            <a:r>
-              <a:rPr lang="en-US" altLang="zh-CN" dirty="0"/>
-              <a:t> </a:t>
-            </a:r>
-            <a:r>
-              <a:rPr lang="en-US" altLang="zh-CN" dirty="0" err="1"/>
-              <a:t>wParam</a:t>
-            </a:r>
-            <a:r>
-              <a:rPr lang="en-US" altLang="zh-CN" dirty="0"/>
-              <a:t>, </a:t>
-            </a:r>
-            <a:r>
-              <a:rPr lang="en-US" altLang="zh-CN" dirty="0" err="1"/>
-              <a:t>IntPtr</a:t>
-            </a:r>
-            <a:r>
-              <a:rPr lang="en-US" altLang="zh-CN" dirty="0"/>
-              <a:t> </a:t>
-            </a:r>
-            <a:r>
-              <a:rPr lang="en-US" altLang="zh-CN" dirty="0" err="1"/>
-              <a:t>lParam</a:t>
-            </a:r>
-            <a:r>
-              <a:rPr lang="en-US" altLang="zh-CN" dirty="0"/>
-              <a:t>);</a:t>
+              <a:t>baidu</a:t>
             </a:r>
             <a:endParaRPr lang="zh-CN" altLang="en-US" dirty="0"/>
           </a:p>
@@ -4106,7 +4096,7 @@
           <a:p>
             <a:fld id="{FF6B7014-1CA7-42FF-9E69-87C27AE33F47}" type="slidenum">
               <a:rPr lang="zh-CN" altLang="en-US" smtClean="0"/>
-              <a:t>46</a:t>
+              <a:t>41</a:t>
             </a:fld>
             <a:endParaRPr lang="zh-CN" altLang="en-US"/>
           </a:p>
@@ -4115,7 +4105,7 @@
     </p:spTree>
     <p:extLst>
       <p:ext uri="{BB962C8B-B14F-4D97-AF65-F5344CB8AC3E}">
-        <p14:creationId xmlns:p14="http://schemas.microsoft.com/office/powerpoint/2010/main" val="477558732"/>
+        <p14:creationId xmlns:p14="http://schemas.microsoft.com/office/powerpoint/2010/main" val="2807813257"/>
       </p:ext>
     </p:extLst>
   </p:cSld>
@@ -4169,6 +4159,118 @@
           <a:bodyPr/>
           <a:lstStyle/>
           <a:p>
+            <a:r>
+              <a:rPr lang="en-US" altLang="zh-CN" dirty="0"/>
+              <a:t>[</a:t>
+            </a:r>
+            <a:r>
+              <a:rPr lang="en-US" altLang="zh-CN" dirty="0" err="1"/>
+              <a:t>DllImport</a:t>
+            </a:r>
+            <a:r>
+              <a:rPr lang="en-US" altLang="zh-CN" dirty="0"/>
+              <a:t>("User32.dll", </a:t>
+            </a:r>
+            <a:r>
+              <a:rPr lang="en-US" altLang="zh-CN" dirty="0" err="1"/>
+              <a:t>CharSet</a:t>
+            </a:r>
+            <a:r>
+              <a:rPr lang="en-US" altLang="zh-CN" dirty="0"/>
+              <a:t> = </a:t>
+            </a:r>
+            <a:r>
+              <a:rPr lang="en-US" altLang="zh-CN" dirty="0" err="1"/>
+              <a:t>CharSet.Auto</a:t>
+            </a:r>
+            <a:r>
+              <a:rPr lang="en-US" altLang="zh-CN" dirty="0"/>
+              <a:t>, </a:t>
+            </a:r>
+            <a:r>
+              <a:rPr lang="en-US" altLang="zh-CN" dirty="0" err="1"/>
+              <a:t>SetLastError</a:t>
+            </a:r>
+            <a:r>
+              <a:rPr lang="en-US" altLang="zh-CN" dirty="0"/>
+              <a:t> = true)]</a:t>
+            </a:r>
+          </a:p>
+          <a:p>
+            <a:r>
+              <a:rPr lang="en-US" altLang="zh-CN" dirty="0"/>
+              <a:t>[return: </a:t>
+            </a:r>
+            <a:r>
+              <a:rPr lang="en-US" altLang="zh-CN" dirty="0" err="1"/>
+              <a:t>MarshalAs</a:t>
+            </a:r>
+            <a:r>
+              <a:rPr lang="en-US" altLang="zh-CN" dirty="0"/>
+              <a:t>(</a:t>
+            </a:r>
+            <a:r>
+              <a:rPr lang="en-US" altLang="zh-CN" dirty="0" err="1"/>
+              <a:t>UnmanagedType.Bool</a:t>
+            </a:r>
+            <a:r>
+              <a:rPr lang="en-US" altLang="zh-CN" dirty="0"/>
+              <a:t>)]</a:t>
+            </a:r>
+          </a:p>
+          <a:p>
+            <a:r>
+              <a:rPr lang="en-US" altLang="zh-CN" dirty="0"/>
+              <a:t>public static extern bool </a:t>
+            </a:r>
+            <a:r>
+              <a:rPr lang="en-US" altLang="zh-CN" dirty="0" err="1"/>
+              <a:t>PostThreadMessage</a:t>
+            </a:r>
+            <a:r>
+              <a:rPr lang="en-US" altLang="zh-CN" dirty="0"/>
+              <a:t>(int </a:t>
+            </a:r>
+            <a:r>
+              <a:rPr lang="en-US" altLang="zh-CN" dirty="0" err="1"/>
+              <a:t>idThread</a:t>
+            </a:r>
+            <a:r>
+              <a:rPr lang="en-US" altLang="zh-CN" dirty="0"/>
+              <a:t>, int Msg, </a:t>
+            </a:r>
+            <a:r>
+              <a:rPr lang="en-US" altLang="zh-CN" dirty="0" err="1"/>
+              <a:t>IntPtr</a:t>
+            </a:r>
+            <a:r>
+              <a:rPr lang="en-US" altLang="zh-CN" dirty="0"/>
+              <a:t> </a:t>
+            </a:r>
+            <a:r>
+              <a:rPr lang="en-US" altLang="zh-CN" dirty="0" err="1"/>
+              <a:t>wParam</a:t>
+            </a:r>
+            <a:r>
+              <a:rPr lang="en-US" altLang="zh-CN" dirty="0"/>
+              <a:t>, </a:t>
+            </a:r>
+            <a:r>
+              <a:rPr lang="en-US" altLang="zh-CN" dirty="0" err="1"/>
+              <a:t>IntPtr</a:t>
+            </a:r>
+            <a:r>
+              <a:rPr lang="en-US" altLang="zh-CN" dirty="0"/>
+              <a:t> </a:t>
+            </a:r>
+            <a:r>
+              <a:rPr lang="en-US" altLang="zh-CN" dirty="0" err="1"/>
+              <a:t>lParam</a:t>
+            </a:r>
+            <a:r>
+              <a:rPr lang="en-US" altLang="zh-CN" dirty="0"/>
+              <a:t>);</a:t>
+            </a:r>
             <a:endParaRPr lang="zh-CN" altLang="en-US" dirty="0"/>
           </a:p>
         </p:txBody>
@@ -4190,7 +4292,7 @@
           <a:p>
             <a:fld id="{FF6B7014-1CA7-42FF-9E69-87C27AE33F47}" type="slidenum">
               <a:rPr lang="zh-CN" altLang="en-US" smtClean="0"/>
-              <a:t>48</a:t>
+              <a:t>46</a:t>
             </a:fld>
             <a:endParaRPr lang="zh-CN" altLang="en-US"/>
           </a:p>
@@ -4199,7 +4301,7 @@
     </p:spTree>
     <p:extLst>
       <p:ext uri="{BB962C8B-B14F-4D97-AF65-F5344CB8AC3E}">
-        <p14:creationId xmlns:p14="http://schemas.microsoft.com/office/powerpoint/2010/main" val="79021405"/>
+        <p14:creationId xmlns:p14="http://schemas.microsoft.com/office/powerpoint/2010/main" val="477558732"/>
       </p:ext>
     </p:extLst>
   </p:cSld>
@@ -4253,10 +4355,7 @@
           <a:bodyPr/>
           <a:lstStyle/>
           <a:p>
-            <a:r>
-              <a:rPr lang="zh-CN" altLang="en-US" dirty="0"/>
-              <a:t>多重委托</a:t>
-            </a:r>
+            <a:endParaRPr lang="zh-CN" altLang="en-US" dirty="0"/>
           </a:p>
         </p:txBody>
       </p:sp>
@@ -4277,7 +4376,7 @@
           <a:p>
             <a:fld id="{FF6B7014-1CA7-42FF-9E69-87C27AE33F47}" type="slidenum">
               <a:rPr lang="zh-CN" altLang="en-US" smtClean="0"/>
-              <a:t>59</a:t>
+              <a:t>48</a:t>
             </a:fld>
             <a:endParaRPr lang="zh-CN" altLang="en-US"/>
           </a:p>
@@ -4286,7 +4385,7 @@
     </p:spTree>
     <p:extLst>
       <p:ext uri="{BB962C8B-B14F-4D97-AF65-F5344CB8AC3E}">
-        <p14:creationId xmlns:p14="http://schemas.microsoft.com/office/powerpoint/2010/main" val="1877076824"/>
+        <p14:creationId xmlns:p14="http://schemas.microsoft.com/office/powerpoint/2010/main" val="79021405"/>
       </p:ext>
     </p:extLst>
   </p:cSld>
@@ -4340,7 +4439,10 @@
           <a:bodyPr/>
           <a:lstStyle/>
           <a:p>
-            <a:endParaRPr lang="zh-CN" altLang="en-US" dirty="0"/>
+            <a:r>
+              <a:rPr lang="zh-CN" altLang="en-US" dirty="0"/>
+              <a:t>多重委托</a:t>
+            </a:r>
           </a:p>
         </p:txBody>
       </p:sp>
@@ -4361,7 +4463,7 @@
           <a:p>
             <a:fld id="{FF6B7014-1CA7-42FF-9E69-87C27AE33F47}" type="slidenum">
               <a:rPr lang="zh-CN" altLang="en-US" smtClean="0"/>
-              <a:t>60</a:t>
+              <a:t>59</a:t>
             </a:fld>
             <a:endParaRPr lang="zh-CN" altLang="en-US"/>
           </a:p>
@@ -4370,7 +4472,7 @@
     </p:spTree>
     <p:extLst>
       <p:ext uri="{BB962C8B-B14F-4D97-AF65-F5344CB8AC3E}">
-        <p14:creationId xmlns:p14="http://schemas.microsoft.com/office/powerpoint/2010/main" val="1804267455"/>
+        <p14:creationId xmlns:p14="http://schemas.microsoft.com/office/powerpoint/2010/main" val="1877076824"/>
       </p:ext>
     </p:extLst>
   </p:cSld>
@@ -4445,7 +4547,7 @@
           <a:p>
             <a:fld id="{FF6B7014-1CA7-42FF-9E69-87C27AE33F47}" type="slidenum">
               <a:rPr lang="zh-CN" altLang="en-US" smtClean="0"/>
-              <a:t>61</a:t>
+              <a:t>60</a:t>
             </a:fld>
             <a:endParaRPr lang="zh-CN" altLang="en-US"/>
           </a:p>
@@ -4454,7 +4556,7 @@
     </p:spTree>
     <p:extLst>
       <p:ext uri="{BB962C8B-B14F-4D97-AF65-F5344CB8AC3E}">
-        <p14:creationId xmlns:p14="http://schemas.microsoft.com/office/powerpoint/2010/main" val="27068981"/>
+        <p14:creationId xmlns:p14="http://schemas.microsoft.com/office/powerpoint/2010/main" val="1804267455"/>
       </p:ext>
     </p:extLst>
   </p:cSld>
@@ -4508,10 +4610,7 @@
           <a:bodyPr/>
           <a:lstStyle/>
           <a:p>
-            <a:r>
-              <a:rPr lang="zh-CN" altLang="en-US" dirty="0"/>
-              <a:t>委托是一个可以引用方法的类型，当创建一个委托，也就创建一个引用方法的变量，进而就可以调用那个方法，即委托可以调用它所指的方法。</a:t>
-            </a:r>
+            <a:endParaRPr lang="zh-CN" altLang="en-US" dirty="0"/>
           </a:p>
         </p:txBody>
       </p:sp>
@@ -4532,7 +4631,7 @@
           <a:p>
             <a:fld id="{FF6B7014-1CA7-42FF-9E69-87C27AE33F47}" type="slidenum">
               <a:rPr lang="zh-CN" altLang="en-US" smtClean="0"/>
-              <a:t>62</a:t>
+              <a:t>61</a:t>
             </a:fld>
             <a:endParaRPr lang="zh-CN" altLang="en-US"/>
           </a:p>
@@ -4541,7 +4640,7 @@
     </p:spTree>
     <p:extLst>
       <p:ext uri="{BB962C8B-B14F-4D97-AF65-F5344CB8AC3E}">
-        <p14:creationId xmlns:p14="http://schemas.microsoft.com/office/powerpoint/2010/main" val="2311240772"/>
+        <p14:creationId xmlns:p14="http://schemas.microsoft.com/office/powerpoint/2010/main" val="27068981"/>
       </p:ext>
     </p:extLst>
   </p:cSld>
@@ -4595,7 +4694,10 @@
           <a:bodyPr/>
           <a:lstStyle/>
           <a:p>
-            <a:endParaRPr lang="zh-CN" altLang="en-US" dirty="0"/>
+            <a:r>
+              <a:rPr lang="zh-CN" altLang="en-US" dirty="0"/>
+              <a:t>委托是一个可以引用方法的类型，当创建一个委托，也就创建一个引用方法的变量，进而就可以调用那个方法，即委托可以调用它所指的方法。</a:t>
+            </a:r>
           </a:p>
         </p:txBody>
       </p:sp>
@@ -4616,7 +4718,7 @@
           <a:p>
             <a:fld id="{FF6B7014-1CA7-42FF-9E69-87C27AE33F47}" type="slidenum">
               <a:rPr lang="zh-CN" altLang="en-US" smtClean="0"/>
-              <a:t>63</a:t>
+              <a:t>62</a:t>
             </a:fld>
             <a:endParaRPr lang="zh-CN" altLang="en-US"/>
           </a:p>
@@ -4625,7 +4727,7 @@
     </p:spTree>
     <p:extLst>
       <p:ext uri="{BB962C8B-B14F-4D97-AF65-F5344CB8AC3E}">
-        <p14:creationId xmlns:p14="http://schemas.microsoft.com/office/powerpoint/2010/main" val="2114503351"/>
+        <p14:creationId xmlns:p14="http://schemas.microsoft.com/office/powerpoint/2010/main" val="2311240772"/>
       </p:ext>
     </p:extLst>
   </p:cSld>
@@ -4818,7 +4920,7 @@
           <a:p>
             <a:fld id="{F0A08C6D-CA89-457F-88D7-56281A3E4E44}" type="datetimeFigureOut">
               <a:rPr lang="zh-CN" altLang="en-US" smtClean="0"/>
-              <a:t>2019/9/29</a:t>
+              <a:t>2019/9/30</a:t>
             </a:fld>
             <a:endParaRPr lang="zh-CN" altLang="en-US"/>
           </a:p>
@@ -10765,6 +10867,16 @@
             <a:r>
               <a:rPr lang="zh-CN" altLang="en-US" sz="4400" dirty="0">
                 <a:solidFill>
+                  <a:srgbClr val="FF0000"/>
+                </a:solidFill>
+                <a:latin typeface="微软雅黑" panose="020B0503020204020204" pitchFamily="34" charset="-122"/>
+                <a:ea typeface="微软雅黑" panose="020B0503020204020204" pitchFamily="34" charset="-122"/>
+              </a:rPr>
+              <a:t>消息</a:t>
+            </a:r>
+            <a:r>
+              <a:rPr lang="zh-CN" altLang="en-US" sz="4400" dirty="0">
+                <a:solidFill>
                   <a:schemeClr val="accent1">
                     <a:lumMod val="75000"/>
                   </a:schemeClr>
@@ -10772,7 +10884,29 @@
                 <a:latin typeface="微软雅黑" panose="020B0503020204020204" pitchFamily="34" charset="-122"/>
                 <a:ea typeface="微软雅黑" panose="020B0503020204020204" pitchFamily="34" charset="-122"/>
               </a:rPr>
-              <a:t>消息与事件机制</a:t>
+              <a:t>与</a:t>
+            </a:r>
+            <a:r>
+              <a:rPr lang="zh-CN" altLang="en-US" sz="4400" dirty="0">
+                <a:solidFill>
+                  <a:srgbClr val="FF0000"/>
+                </a:solidFill>
+                <a:latin typeface="微软雅黑" panose="020B0503020204020204" pitchFamily="34" charset="-122"/>
+                <a:ea typeface="微软雅黑" panose="020B0503020204020204" pitchFamily="34" charset="-122"/>
+              </a:rPr>
+              <a:t>事件</a:t>
+            </a:r>
+            <a:r>
+              <a:rPr lang="zh-CN" altLang="en-US" sz="4400" dirty="0">
+                <a:solidFill>
+                  <a:schemeClr val="accent1">
+                    <a:lumMod val="75000"/>
+                  </a:schemeClr>
+                </a:solidFill>
+                <a:latin typeface="微软雅黑" panose="020B0503020204020204" pitchFamily="34" charset="-122"/>
+                <a:ea typeface="微软雅黑" panose="020B0503020204020204" pitchFamily="34" charset="-122"/>
+              </a:rPr>
+              <a:t>机制</a:t>
             </a:r>
           </a:p>
         </p:txBody>

--- a/programmingWindows_5.pptx
+++ b/programmingWindows_5.pptx
@@ -3466,7 +3466,7 @@
           <a:p>
             <a:fld id="{62B690D2-9F6C-4A40-B045-5871089CDE7B}" type="datetimeFigureOut">
               <a:rPr lang="zh-CN" altLang="en-US" smtClean="0"/>
-              <a:t>2019/9/30</a:t>
+              <a:t>2019/10/8</a:t>
             </a:fld>
             <a:endParaRPr lang="zh-CN" altLang="en-US"/>
           </a:p>
@@ -3779,21 +3779,13 @@
           <a:p>
             <a:r>
               <a:rPr lang="en-US" altLang="zh-CN" dirty="0"/>
-              <a:t>A message is an item of data that is sent to a specific destination</a:t>
-            </a:r>
-            <a:r>
-              <a:rPr lang="en-US" altLang="zh-CN"/>
-              <a:t>. </a:t>
-            </a:r>
-          </a:p>
-          <a:p>
-            <a:r>
-              <a:rPr lang="en-US" altLang="zh-CN"/>
-              <a:t>An </a:t>
-            </a:r>
+              <a:t>A message is an item of data that is sent to a specific destination. </a:t>
+            </a:r>
+          </a:p>
+          <a:p>
             <a:r>
               <a:rPr lang="en-US" altLang="zh-CN" dirty="0"/>
-              <a:t>event is a signal emitted by a component upon reaching a given state.</a:t>
+              <a:t>An event is a signal emitted by a component upon reaching a given state.</a:t>
             </a:r>
             <a:endParaRPr lang="zh-CN" altLang="en-US" dirty="0"/>
           </a:p>
@@ -3900,6 +3892,261 @@
           <a:p>
             <a:fld id="{FF6B7014-1CA7-42FF-9E69-87C27AE33F47}" type="slidenum">
               <a:rPr lang="zh-CN" altLang="en-US" smtClean="0"/>
+              <a:t>60</a:t>
+            </a:fld>
+            <a:endParaRPr lang="zh-CN" altLang="en-US"/>
+          </a:p>
+        </p:txBody>
+      </p:sp>
+    </p:spTree>
+    <p:extLst>
+      <p:ext uri="{BB962C8B-B14F-4D97-AF65-F5344CB8AC3E}">
+        <p14:creationId xmlns:p14="http://schemas.microsoft.com/office/powerpoint/2010/main" val="1804267455"/>
+      </p:ext>
+    </p:extLst>
+  </p:cSld>
+  <p:clrMapOvr>
+    <a:masterClrMapping/>
+  </p:clrMapOvr>
+</p:notes>
+</file>
+
+<file path=ppt/notesSlides/notesSlide11.xml><?xml version="1.0" encoding="utf-8"?>
+<p:notes xmlns:a="http://schemas.openxmlformats.org/drawingml/2006/main" xmlns:r="http://schemas.openxmlformats.org/officeDocument/2006/relationships" xmlns:p="http://schemas.openxmlformats.org/presentationml/2006/main">
+  <p:cSld>
+    <p:spTree>
+      <p:nvGrpSpPr>
+        <p:cNvPr id="1" name=""/>
+        <p:cNvGrpSpPr/>
+        <p:nvPr/>
+      </p:nvGrpSpPr>
+      <p:grpSpPr>
+        <a:xfrm>
+          <a:off x="0" y="0"/>
+          <a:ext cx="0" cy="0"/>
+          <a:chOff x="0" y="0"/>
+          <a:chExt cx="0" cy="0"/>
+        </a:xfrm>
+      </p:grpSpPr>
+      <p:sp>
+        <p:nvSpPr>
+          <p:cNvPr id="2" name="幻灯片图像占位符 1"/>
+          <p:cNvSpPr>
+            <a:spLocks noGrp="1" noRot="1" noChangeAspect="1"/>
+          </p:cNvSpPr>
+          <p:nvPr>
+            <p:ph type="sldImg"/>
+          </p:nvPr>
+        </p:nvSpPr>
+        <p:spPr/>
+      </p:sp>
+      <p:sp>
+        <p:nvSpPr>
+          <p:cNvPr id="3" name="备注占位符 2"/>
+          <p:cNvSpPr>
+            <a:spLocks noGrp="1"/>
+          </p:cNvSpPr>
+          <p:nvPr>
+            <p:ph type="body" idx="1"/>
+          </p:nvPr>
+        </p:nvSpPr>
+        <p:spPr/>
+        <p:txBody>
+          <a:bodyPr/>
+          <a:lstStyle/>
+          <a:p>
+            <a:endParaRPr lang="zh-CN" altLang="en-US" dirty="0"/>
+          </a:p>
+        </p:txBody>
+      </p:sp>
+      <p:sp>
+        <p:nvSpPr>
+          <p:cNvPr id="4" name="灯片编号占位符 3"/>
+          <p:cNvSpPr>
+            <a:spLocks noGrp="1"/>
+          </p:cNvSpPr>
+          <p:nvPr>
+            <p:ph type="sldNum" sz="quarter" idx="5"/>
+          </p:nvPr>
+        </p:nvSpPr>
+        <p:spPr/>
+        <p:txBody>
+          <a:bodyPr/>
+          <a:lstStyle/>
+          <a:p>
+            <a:fld id="{FF6B7014-1CA7-42FF-9E69-87C27AE33F47}" type="slidenum">
+              <a:rPr lang="zh-CN" altLang="en-US" smtClean="0"/>
+              <a:t>61</a:t>
+            </a:fld>
+            <a:endParaRPr lang="zh-CN" altLang="en-US"/>
+          </a:p>
+        </p:txBody>
+      </p:sp>
+    </p:spTree>
+    <p:extLst>
+      <p:ext uri="{BB962C8B-B14F-4D97-AF65-F5344CB8AC3E}">
+        <p14:creationId xmlns:p14="http://schemas.microsoft.com/office/powerpoint/2010/main" val="27068981"/>
+      </p:ext>
+    </p:extLst>
+  </p:cSld>
+  <p:clrMapOvr>
+    <a:masterClrMapping/>
+  </p:clrMapOvr>
+</p:notes>
+</file>
+
+<file path=ppt/notesSlides/notesSlide12.xml><?xml version="1.0" encoding="utf-8"?>
+<p:notes xmlns:a="http://schemas.openxmlformats.org/drawingml/2006/main" xmlns:r="http://schemas.openxmlformats.org/officeDocument/2006/relationships" xmlns:p="http://schemas.openxmlformats.org/presentationml/2006/main">
+  <p:cSld>
+    <p:spTree>
+      <p:nvGrpSpPr>
+        <p:cNvPr id="1" name=""/>
+        <p:cNvGrpSpPr/>
+        <p:nvPr/>
+      </p:nvGrpSpPr>
+      <p:grpSpPr>
+        <a:xfrm>
+          <a:off x="0" y="0"/>
+          <a:ext cx="0" cy="0"/>
+          <a:chOff x="0" y="0"/>
+          <a:chExt cx="0" cy="0"/>
+        </a:xfrm>
+      </p:grpSpPr>
+      <p:sp>
+        <p:nvSpPr>
+          <p:cNvPr id="2" name="幻灯片图像占位符 1"/>
+          <p:cNvSpPr>
+            <a:spLocks noGrp="1" noRot="1" noChangeAspect="1"/>
+          </p:cNvSpPr>
+          <p:nvPr>
+            <p:ph type="sldImg"/>
+          </p:nvPr>
+        </p:nvSpPr>
+        <p:spPr/>
+      </p:sp>
+      <p:sp>
+        <p:nvSpPr>
+          <p:cNvPr id="3" name="备注占位符 2"/>
+          <p:cNvSpPr>
+            <a:spLocks noGrp="1"/>
+          </p:cNvSpPr>
+          <p:nvPr>
+            <p:ph type="body" idx="1"/>
+          </p:nvPr>
+        </p:nvSpPr>
+        <p:spPr/>
+        <p:txBody>
+          <a:bodyPr/>
+          <a:lstStyle/>
+          <a:p>
+            <a:r>
+              <a:rPr lang="zh-CN" altLang="en-US" dirty="0"/>
+              <a:t>委托是一个可以引用方法的类型，当创建一个委托，也就创建一个引用方法的变量，进而就可以调用那个方法，即委托可以调用它所指的方法。</a:t>
+            </a:r>
+          </a:p>
+        </p:txBody>
+      </p:sp>
+      <p:sp>
+        <p:nvSpPr>
+          <p:cNvPr id="4" name="灯片编号占位符 3"/>
+          <p:cNvSpPr>
+            <a:spLocks noGrp="1"/>
+          </p:cNvSpPr>
+          <p:nvPr>
+            <p:ph type="sldNum" sz="quarter" idx="5"/>
+          </p:nvPr>
+        </p:nvSpPr>
+        <p:spPr/>
+        <p:txBody>
+          <a:bodyPr/>
+          <a:lstStyle/>
+          <a:p>
+            <a:fld id="{FF6B7014-1CA7-42FF-9E69-87C27AE33F47}" type="slidenum">
+              <a:rPr lang="zh-CN" altLang="en-US" smtClean="0"/>
+              <a:t>62</a:t>
+            </a:fld>
+            <a:endParaRPr lang="zh-CN" altLang="en-US"/>
+          </a:p>
+        </p:txBody>
+      </p:sp>
+    </p:spTree>
+    <p:extLst>
+      <p:ext uri="{BB962C8B-B14F-4D97-AF65-F5344CB8AC3E}">
+        <p14:creationId xmlns:p14="http://schemas.microsoft.com/office/powerpoint/2010/main" val="2311240772"/>
+      </p:ext>
+    </p:extLst>
+  </p:cSld>
+  <p:clrMapOvr>
+    <a:masterClrMapping/>
+  </p:clrMapOvr>
+</p:notes>
+</file>
+
+<file path=ppt/notesSlides/notesSlide13.xml><?xml version="1.0" encoding="utf-8"?>
+<p:notes xmlns:a="http://schemas.openxmlformats.org/drawingml/2006/main" xmlns:r="http://schemas.openxmlformats.org/officeDocument/2006/relationships" xmlns:p="http://schemas.openxmlformats.org/presentationml/2006/main">
+  <p:cSld>
+    <p:spTree>
+      <p:nvGrpSpPr>
+        <p:cNvPr id="1" name=""/>
+        <p:cNvGrpSpPr/>
+        <p:nvPr/>
+      </p:nvGrpSpPr>
+      <p:grpSpPr>
+        <a:xfrm>
+          <a:off x="0" y="0"/>
+          <a:ext cx="0" cy="0"/>
+          <a:chOff x="0" y="0"/>
+          <a:chExt cx="0" cy="0"/>
+        </a:xfrm>
+      </p:grpSpPr>
+      <p:sp>
+        <p:nvSpPr>
+          <p:cNvPr id="2" name="幻灯片图像占位符 1"/>
+          <p:cNvSpPr>
+            <a:spLocks noGrp="1" noRot="1" noChangeAspect="1"/>
+          </p:cNvSpPr>
+          <p:nvPr>
+            <p:ph type="sldImg"/>
+          </p:nvPr>
+        </p:nvSpPr>
+        <p:spPr/>
+      </p:sp>
+      <p:sp>
+        <p:nvSpPr>
+          <p:cNvPr id="3" name="备注占位符 2"/>
+          <p:cNvSpPr>
+            <a:spLocks noGrp="1"/>
+          </p:cNvSpPr>
+          <p:nvPr>
+            <p:ph type="body" idx="1"/>
+          </p:nvPr>
+        </p:nvSpPr>
+        <p:spPr/>
+        <p:txBody>
+          <a:bodyPr/>
+          <a:lstStyle/>
+          <a:p>
+            <a:endParaRPr lang="zh-CN" altLang="en-US" dirty="0"/>
+          </a:p>
+        </p:txBody>
+      </p:sp>
+      <p:sp>
+        <p:nvSpPr>
+          <p:cNvPr id="4" name="灯片编号占位符 3"/>
+          <p:cNvSpPr>
+            <a:spLocks noGrp="1"/>
+          </p:cNvSpPr>
+          <p:nvPr>
+            <p:ph type="sldNum" sz="quarter" idx="5"/>
+          </p:nvPr>
+        </p:nvSpPr>
+        <p:spPr/>
+        <p:txBody>
+          <a:bodyPr/>
+          <a:lstStyle/>
+          <a:p>
+            <a:fld id="{FF6B7014-1CA7-42FF-9E69-87C27AE33F47}" type="slidenum">
+              <a:rPr lang="zh-CN" altLang="en-US" smtClean="0"/>
               <a:t>63</a:t>
             </a:fld>
             <a:endParaRPr lang="zh-CN" altLang="en-US"/>
@@ -3963,6 +4210,144 @@
           <a:bodyPr/>
           <a:lstStyle/>
           <a:p>
+            <a:r>
+              <a:rPr lang="en-US" altLang="zh-CN" dirty="0"/>
+              <a:t>Win10.0.18362</a:t>
+            </a:r>
+            <a:r>
+              <a:rPr lang="zh-CN" altLang="en-US" dirty="0"/>
+              <a:t>开始有很大的变化</a:t>
+            </a:r>
+            <a:endParaRPr lang="en-US" altLang="zh-CN" dirty="0"/>
+          </a:p>
+          <a:p>
+            <a:r>
+              <a:rPr lang="en-US" altLang="zh-CN" sz="1200" b="0" i="0" kern="1200" dirty="0">
+                <a:solidFill>
+                  <a:schemeClr val="tx1"/>
+                </a:solidFill>
+                <a:effectLst/>
+                <a:latin typeface="+mn-lt"/>
+                <a:ea typeface="+mn-ea"/>
+                <a:cs typeface="+mn-cs"/>
+              </a:rPr>
+              <a:t>Windows UI </a:t>
+            </a:r>
+            <a:r>
+              <a:rPr lang="zh-CN" altLang="en-US" sz="1200" b="0" i="0" kern="1200" dirty="0">
+                <a:solidFill>
+                  <a:schemeClr val="tx1"/>
+                </a:solidFill>
+                <a:effectLst/>
+                <a:latin typeface="+mn-lt"/>
+                <a:ea typeface="+mn-ea"/>
+                <a:cs typeface="+mn-cs"/>
+              </a:rPr>
+              <a:t>相关的大部分 </a:t>
+            </a:r>
+            <a:r>
+              <a:rPr lang="en-US" altLang="zh-CN" sz="1200" b="0" i="0" kern="1200" dirty="0">
+                <a:solidFill>
+                  <a:schemeClr val="tx1"/>
+                </a:solidFill>
+                <a:effectLst/>
+                <a:latin typeface="+mn-lt"/>
+                <a:ea typeface="+mn-ea"/>
+                <a:cs typeface="+mn-cs"/>
+              </a:rPr>
+              <a:t>API </a:t>
+            </a:r>
+            <a:r>
+              <a:rPr lang="zh-CN" altLang="en-US" sz="1200" b="0" i="0" kern="1200" dirty="0">
+                <a:solidFill>
+                  <a:schemeClr val="tx1"/>
+                </a:solidFill>
+                <a:effectLst/>
+                <a:latin typeface="+mn-lt"/>
+                <a:ea typeface="+mn-ea"/>
+                <a:cs typeface="+mn-cs"/>
+              </a:rPr>
+              <a:t>都是在 </a:t>
+            </a:r>
+            <a:r>
+              <a:rPr lang="en-US" altLang="zh-CN" sz="1200" b="0" i="0" kern="1200" dirty="0" err="1">
+                <a:solidFill>
+                  <a:schemeClr val="tx1"/>
+                </a:solidFill>
+                <a:effectLst/>
+                <a:latin typeface="+mn-lt"/>
+                <a:ea typeface="+mn-ea"/>
+                <a:cs typeface="+mn-cs"/>
+              </a:rPr>
+              <a:t>winuser.h</a:t>
+            </a:r>
+            <a:r>
+              <a:rPr lang="en-US" altLang="zh-CN" sz="1200" b="0" i="0" kern="1200" dirty="0">
+                <a:solidFill>
+                  <a:schemeClr val="tx1"/>
+                </a:solidFill>
+                <a:effectLst/>
+                <a:latin typeface="+mn-lt"/>
+                <a:ea typeface="+mn-ea"/>
+                <a:cs typeface="+mn-cs"/>
+              </a:rPr>
+              <a:t> </a:t>
+            </a:r>
+            <a:r>
+              <a:rPr lang="zh-CN" altLang="en-US" sz="1200" b="0" i="0" kern="1200" dirty="0">
+                <a:solidFill>
+                  <a:schemeClr val="tx1"/>
+                </a:solidFill>
+                <a:effectLst/>
+                <a:latin typeface="+mn-lt"/>
+                <a:ea typeface="+mn-ea"/>
+                <a:cs typeface="+mn-cs"/>
+              </a:rPr>
+              <a:t>中定义的</a:t>
+            </a:r>
+            <a:endParaRPr lang="en-US" altLang="zh-CN" sz="1200" b="0" i="0" kern="1200" dirty="0">
+              <a:solidFill>
+                <a:schemeClr val="tx1"/>
+              </a:solidFill>
+              <a:effectLst/>
+              <a:latin typeface="+mn-lt"/>
+              <a:ea typeface="+mn-ea"/>
+              <a:cs typeface="+mn-cs"/>
+            </a:endParaRPr>
+          </a:p>
+          <a:p>
+            <a:r>
+              <a:rPr lang="zh-CN" altLang="en-US" dirty="0"/>
+              <a:t>定义了所有 </a:t>
+            </a:r>
+            <a:r>
+              <a:rPr lang="en-US" altLang="zh-CN" dirty="0"/>
+              <a:t>user32.dll </a:t>
+            </a:r>
+            <a:r>
+              <a:rPr lang="zh-CN" altLang="en-US" dirty="0"/>
+              <a:t>导出的 </a:t>
+            </a:r>
+            <a:r>
+              <a:rPr lang="en-US" altLang="zh-CN" dirty="0"/>
+              <a:t>API </a:t>
+            </a:r>
+            <a:r>
+              <a:rPr lang="zh-CN" altLang="en-US" dirty="0"/>
+              <a:t>以及各种宏定义，例如代表消息</a:t>
+            </a:r>
+            <a:r>
+              <a:rPr lang="en-US" altLang="zh-CN" dirty="0"/>
+              <a:t>ID </a:t>
+            </a:r>
+            <a:r>
+              <a:rPr lang="zh-CN" altLang="en-US" dirty="0"/>
+              <a:t>的 </a:t>
+            </a:r>
+            <a:r>
+              <a:rPr lang="en-US" altLang="zh-CN" dirty="0"/>
+              <a:t>WM_</a:t>
+            </a:r>
             <a:endParaRPr lang="zh-CN" altLang="en-US" dirty="0"/>
           </a:p>
         </p:txBody>
@@ -3984,7 +4369,7 @@
           <a:p>
             <a:fld id="{FF6B7014-1CA7-42FF-9E69-87C27AE33F47}" type="slidenum">
               <a:rPr lang="zh-CN" altLang="en-US" smtClean="0"/>
-              <a:t>27</a:t>
+              <a:t>12</a:t>
             </a:fld>
             <a:endParaRPr lang="zh-CN" altLang="en-US"/>
           </a:p>
@@ -3993,7 +4378,7 @@
     </p:spTree>
     <p:extLst>
       <p:ext uri="{BB962C8B-B14F-4D97-AF65-F5344CB8AC3E}">
-        <p14:creationId xmlns:p14="http://schemas.microsoft.com/office/powerpoint/2010/main" val="2135593472"/>
+        <p14:creationId xmlns:p14="http://schemas.microsoft.com/office/powerpoint/2010/main" val="924736045"/>
       </p:ext>
     </p:extLst>
   </p:cSld>
@@ -4049,31 +4434,63 @@
           <a:p>
             <a:r>
               <a:rPr lang="en-US" altLang="zh-CN" dirty="0"/>
-              <a:t>C# </a:t>
-            </a:r>
-            <a:r>
-              <a:rPr lang="zh-CN" altLang="en-US" dirty="0"/>
-              <a:t>重写</a:t>
-            </a:r>
+              <a:t>#ifdef _UNICODE </a:t>
+            </a:r>
+          </a:p>
+          <a:p>
             <a:r>
               <a:rPr lang="en-US" altLang="zh-CN" dirty="0"/>
-              <a:t>(override)</a:t>
-            </a:r>
-            <a:r>
-              <a:rPr lang="zh-CN" altLang="en-US" dirty="0"/>
-              <a:t>与覆盖</a:t>
+              <a:t>#define _</a:t>
+            </a:r>
+            <a:r>
+              <a:rPr lang="en-US" altLang="zh-CN" dirty="0" err="1"/>
+              <a:t>tWinMain</a:t>
             </a:r>
             <a:r>
               <a:rPr lang="en-US" altLang="zh-CN" dirty="0"/>
-              <a:t>(new)</a:t>
-            </a:r>
-            <a:r>
-              <a:rPr lang="zh-CN" altLang="en-US" dirty="0"/>
-              <a:t>的差异请</a:t>
+              <a:t> </a:t>
             </a:r>
             <a:r>
               <a:rPr lang="en-US" altLang="zh-CN" dirty="0" err="1"/>
-              <a:t>baidu</a:t>
+              <a:t>wWinMain</a:t>
+            </a:r>
+            <a:r>
+              <a:rPr lang="en-US" altLang="zh-CN" dirty="0"/>
+              <a:t> </a:t>
+            </a:r>
+          </a:p>
+          <a:p>
+            <a:r>
+              <a:rPr lang="en-US" altLang="zh-CN" dirty="0"/>
+              <a:t>#else </a:t>
+            </a:r>
+          </a:p>
+          <a:p>
+            <a:r>
+              <a:rPr lang="en-US" altLang="zh-CN" dirty="0"/>
+              <a:t>#define _</a:t>
+            </a:r>
+            <a:r>
+              <a:rPr lang="en-US" altLang="zh-CN" dirty="0" err="1"/>
+              <a:t>tWinMain</a:t>
+            </a:r>
+            <a:r>
+              <a:rPr lang="en-US" altLang="zh-CN" dirty="0"/>
+              <a:t> </a:t>
+            </a:r>
+            <a:r>
+              <a:rPr lang="en-US" altLang="zh-CN" dirty="0" err="1"/>
+              <a:t>WinMain</a:t>
+            </a:r>
+            <a:r>
+              <a:rPr lang="en-US" altLang="zh-CN" dirty="0"/>
+              <a:t> </a:t>
+            </a:r>
+          </a:p>
+          <a:p>
+            <a:r>
+              <a:rPr lang="en-US" altLang="zh-CN" dirty="0"/>
+              <a:t>#endif</a:t>
             </a:r>
             <a:endParaRPr lang="zh-CN" altLang="en-US" dirty="0"/>
           </a:p>
@@ -4096,7 +4513,7 @@
           <a:p>
             <a:fld id="{FF6B7014-1CA7-42FF-9E69-87C27AE33F47}" type="slidenum">
               <a:rPr lang="zh-CN" altLang="en-US" smtClean="0"/>
-              <a:t>41</a:t>
+              <a:t>15</a:t>
             </a:fld>
             <a:endParaRPr lang="zh-CN" altLang="en-US"/>
           </a:p>
@@ -4105,7 +4522,7 @@
     </p:spTree>
     <p:extLst>
       <p:ext uri="{BB962C8B-B14F-4D97-AF65-F5344CB8AC3E}">
-        <p14:creationId xmlns:p14="http://schemas.microsoft.com/office/powerpoint/2010/main" val="2807813257"/>
+        <p14:creationId xmlns:p14="http://schemas.microsoft.com/office/powerpoint/2010/main" val="1918961381"/>
       </p:ext>
     </p:extLst>
   </p:cSld>
@@ -4159,118 +4576,6 @@
           <a:bodyPr/>
           <a:lstStyle/>
           <a:p>
-            <a:r>
-              <a:rPr lang="en-US" altLang="zh-CN" dirty="0"/>
-              <a:t>[</a:t>
-            </a:r>
-            <a:r>
-              <a:rPr lang="en-US" altLang="zh-CN" dirty="0" err="1"/>
-              <a:t>DllImport</a:t>
-            </a:r>
-            <a:r>
-              <a:rPr lang="en-US" altLang="zh-CN" dirty="0"/>
-              <a:t>("User32.dll", </a:t>
-            </a:r>
-            <a:r>
-              <a:rPr lang="en-US" altLang="zh-CN" dirty="0" err="1"/>
-              <a:t>CharSet</a:t>
-            </a:r>
-            <a:r>
-              <a:rPr lang="en-US" altLang="zh-CN" dirty="0"/>
-              <a:t> = </a:t>
-            </a:r>
-            <a:r>
-              <a:rPr lang="en-US" altLang="zh-CN" dirty="0" err="1"/>
-              <a:t>CharSet.Auto</a:t>
-            </a:r>
-            <a:r>
-              <a:rPr lang="en-US" altLang="zh-CN" dirty="0"/>
-              <a:t>, </a:t>
-            </a:r>
-            <a:r>
-              <a:rPr lang="en-US" altLang="zh-CN" dirty="0" err="1"/>
-              <a:t>SetLastError</a:t>
-            </a:r>
-            <a:r>
-              <a:rPr lang="en-US" altLang="zh-CN" dirty="0"/>
-              <a:t> = true)]</a:t>
-            </a:r>
-          </a:p>
-          <a:p>
-            <a:r>
-              <a:rPr lang="en-US" altLang="zh-CN" dirty="0"/>
-              <a:t>[return: </a:t>
-            </a:r>
-            <a:r>
-              <a:rPr lang="en-US" altLang="zh-CN" dirty="0" err="1"/>
-              <a:t>MarshalAs</a:t>
-            </a:r>
-            <a:r>
-              <a:rPr lang="en-US" altLang="zh-CN" dirty="0"/>
-              <a:t>(</a:t>
-            </a:r>
-            <a:r>
-              <a:rPr lang="en-US" altLang="zh-CN" dirty="0" err="1"/>
-              <a:t>UnmanagedType.Bool</a:t>
-            </a:r>
-            <a:r>
-              <a:rPr lang="en-US" altLang="zh-CN" dirty="0"/>
-              <a:t>)]</a:t>
-            </a:r>
-          </a:p>
-          <a:p>
-            <a:r>
-              <a:rPr lang="en-US" altLang="zh-CN" dirty="0"/>
-              <a:t>public static extern bool </a:t>
-            </a:r>
-            <a:r>
-              <a:rPr lang="en-US" altLang="zh-CN" dirty="0" err="1"/>
-              <a:t>PostThreadMessage</a:t>
-            </a:r>
-            <a:r>
-              <a:rPr lang="en-US" altLang="zh-CN" dirty="0"/>
-              <a:t>(int </a:t>
-            </a:r>
-            <a:r>
-              <a:rPr lang="en-US" altLang="zh-CN" dirty="0" err="1"/>
-              <a:t>idThread</a:t>
-            </a:r>
-            <a:r>
-              <a:rPr lang="en-US" altLang="zh-CN" dirty="0"/>
-              <a:t>, int Msg, </a:t>
-            </a:r>
-            <a:r>
-              <a:rPr lang="en-US" altLang="zh-CN" dirty="0" err="1"/>
-              <a:t>IntPtr</a:t>
-            </a:r>
-            <a:r>
-              <a:rPr lang="en-US" altLang="zh-CN" dirty="0"/>
-              <a:t> </a:t>
-            </a:r>
-            <a:r>
-              <a:rPr lang="en-US" altLang="zh-CN" dirty="0" err="1"/>
-              <a:t>wParam</a:t>
-            </a:r>
-            <a:r>
-              <a:rPr lang="en-US" altLang="zh-CN" dirty="0"/>
-              <a:t>, </a:t>
-            </a:r>
-            <a:r>
-              <a:rPr lang="en-US" altLang="zh-CN" dirty="0" err="1"/>
-              <a:t>IntPtr</a:t>
-            </a:r>
-            <a:r>
-              <a:rPr lang="en-US" altLang="zh-CN" dirty="0"/>
-              <a:t> </a:t>
-            </a:r>
-            <a:r>
-              <a:rPr lang="en-US" altLang="zh-CN" dirty="0" err="1"/>
-              <a:t>lParam</a:t>
-            </a:r>
-            <a:r>
-              <a:rPr lang="en-US" altLang="zh-CN" dirty="0"/>
-              <a:t>);</a:t>
-            </a:r>
             <a:endParaRPr lang="zh-CN" altLang="en-US" dirty="0"/>
           </a:p>
         </p:txBody>
@@ -4292,7 +4597,7 @@
           <a:p>
             <a:fld id="{FF6B7014-1CA7-42FF-9E69-87C27AE33F47}" type="slidenum">
               <a:rPr lang="zh-CN" altLang="en-US" smtClean="0"/>
-              <a:t>46</a:t>
+              <a:t>20</a:t>
             </a:fld>
             <a:endParaRPr lang="zh-CN" altLang="en-US"/>
           </a:p>
@@ -4301,7 +4606,7 @@
     </p:spTree>
     <p:extLst>
       <p:ext uri="{BB962C8B-B14F-4D97-AF65-F5344CB8AC3E}">
-        <p14:creationId xmlns:p14="http://schemas.microsoft.com/office/powerpoint/2010/main" val="477558732"/>
+        <p14:creationId xmlns:p14="http://schemas.microsoft.com/office/powerpoint/2010/main" val="972884447"/>
       </p:ext>
     </p:extLst>
   </p:cSld>
@@ -4376,7 +4681,7 @@
           <a:p>
             <a:fld id="{FF6B7014-1CA7-42FF-9E69-87C27AE33F47}" type="slidenum">
               <a:rPr lang="zh-CN" altLang="en-US" smtClean="0"/>
-              <a:t>48</a:t>
+              <a:t>27</a:t>
             </a:fld>
             <a:endParaRPr lang="zh-CN" altLang="en-US"/>
           </a:p>
@@ -4385,7 +4690,7 @@
     </p:spTree>
     <p:extLst>
       <p:ext uri="{BB962C8B-B14F-4D97-AF65-F5344CB8AC3E}">
-        <p14:creationId xmlns:p14="http://schemas.microsoft.com/office/powerpoint/2010/main" val="79021405"/>
+        <p14:creationId xmlns:p14="http://schemas.microsoft.com/office/powerpoint/2010/main" val="2135593472"/>
       </p:ext>
     </p:extLst>
   </p:cSld>
@@ -4440,9 +4745,34 @@
           <a:lstStyle/>
           <a:p>
             <a:r>
+              <a:rPr lang="en-US" altLang="zh-CN" dirty="0"/>
+              <a:t>C# </a:t>
+            </a:r>
+            <a:r>
               <a:rPr lang="zh-CN" altLang="en-US" dirty="0"/>
-              <a:t>多重委托</a:t>
-            </a:r>
+              <a:t>重写</a:t>
+            </a:r>
+            <a:r>
+              <a:rPr lang="en-US" altLang="zh-CN" dirty="0"/>
+              <a:t>(override)</a:t>
+            </a:r>
+            <a:r>
+              <a:rPr lang="zh-CN" altLang="en-US" dirty="0"/>
+              <a:t>与覆盖</a:t>
+            </a:r>
+            <a:r>
+              <a:rPr lang="en-US" altLang="zh-CN" dirty="0"/>
+              <a:t>(new)</a:t>
+            </a:r>
+            <a:r>
+              <a:rPr lang="zh-CN" altLang="en-US" dirty="0"/>
+              <a:t>的差异请</a:t>
+            </a:r>
+            <a:r>
+              <a:rPr lang="en-US" altLang="zh-CN" dirty="0" err="1"/>
+              <a:t>baidu</a:t>
+            </a:r>
+            <a:endParaRPr lang="zh-CN" altLang="en-US" dirty="0"/>
           </a:p>
         </p:txBody>
       </p:sp>
@@ -4463,7 +4793,7 @@
           <a:p>
             <a:fld id="{FF6B7014-1CA7-42FF-9E69-87C27AE33F47}" type="slidenum">
               <a:rPr lang="zh-CN" altLang="en-US" smtClean="0"/>
-              <a:t>59</a:t>
+              <a:t>41</a:t>
             </a:fld>
             <a:endParaRPr lang="zh-CN" altLang="en-US"/>
           </a:p>
@@ -4472,7 +4802,7 @@
     </p:spTree>
     <p:extLst>
       <p:ext uri="{BB962C8B-B14F-4D97-AF65-F5344CB8AC3E}">
-        <p14:creationId xmlns:p14="http://schemas.microsoft.com/office/powerpoint/2010/main" val="1877076824"/>
+        <p14:creationId xmlns:p14="http://schemas.microsoft.com/office/powerpoint/2010/main" val="2807813257"/>
       </p:ext>
     </p:extLst>
   </p:cSld>
@@ -4526,6 +4856,118 @@
           <a:bodyPr/>
           <a:lstStyle/>
           <a:p>
+            <a:r>
+              <a:rPr lang="en-US" altLang="zh-CN" dirty="0"/>
+              <a:t>[</a:t>
+            </a:r>
+            <a:r>
+              <a:rPr lang="en-US" altLang="zh-CN" dirty="0" err="1"/>
+              <a:t>DllImport</a:t>
+            </a:r>
+            <a:r>
+              <a:rPr lang="en-US" altLang="zh-CN" dirty="0"/>
+              <a:t>("User32.dll", </a:t>
+            </a:r>
+            <a:r>
+              <a:rPr lang="en-US" altLang="zh-CN" dirty="0" err="1"/>
+              <a:t>CharSet</a:t>
+            </a:r>
+            <a:r>
+              <a:rPr lang="en-US" altLang="zh-CN" dirty="0"/>
+              <a:t> = </a:t>
+            </a:r>
+            <a:r>
+              <a:rPr lang="en-US" altLang="zh-CN" dirty="0" err="1"/>
+              <a:t>CharSet.Auto</a:t>
+            </a:r>
+            <a:r>
+              <a:rPr lang="en-US" altLang="zh-CN" dirty="0"/>
+              <a:t>, </a:t>
+            </a:r>
+            <a:r>
+              <a:rPr lang="en-US" altLang="zh-CN" dirty="0" err="1"/>
+              <a:t>SetLastError</a:t>
+            </a:r>
+            <a:r>
+              <a:rPr lang="en-US" altLang="zh-CN" dirty="0"/>
+              <a:t> = true)]</a:t>
+            </a:r>
+          </a:p>
+          <a:p>
+            <a:r>
+              <a:rPr lang="en-US" altLang="zh-CN" dirty="0"/>
+              <a:t>[return: </a:t>
+            </a:r>
+            <a:r>
+              <a:rPr lang="en-US" altLang="zh-CN" dirty="0" err="1"/>
+              <a:t>MarshalAs</a:t>
+            </a:r>
+            <a:r>
+              <a:rPr lang="en-US" altLang="zh-CN" dirty="0"/>
+              <a:t>(</a:t>
+            </a:r>
+            <a:r>
+              <a:rPr lang="en-US" altLang="zh-CN" dirty="0" err="1"/>
+              <a:t>UnmanagedType.Bool</a:t>
+            </a:r>
+            <a:r>
+              <a:rPr lang="en-US" altLang="zh-CN" dirty="0"/>
+              <a:t>)]</a:t>
+            </a:r>
+          </a:p>
+          <a:p>
+            <a:r>
+              <a:rPr lang="en-US" altLang="zh-CN" dirty="0"/>
+              <a:t>public static extern bool </a:t>
+            </a:r>
+            <a:r>
+              <a:rPr lang="en-US" altLang="zh-CN" dirty="0" err="1"/>
+              <a:t>PostThreadMessage</a:t>
+            </a:r>
+            <a:r>
+              <a:rPr lang="en-US" altLang="zh-CN" dirty="0"/>
+              <a:t>(int </a:t>
+            </a:r>
+            <a:r>
+              <a:rPr lang="en-US" altLang="zh-CN" dirty="0" err="1"/>
+              <a:t>idThread</a:t>
+            </a:r>
+            <a:r>
+              <a:rPr lang="en-US" altLang="zh-CN" dirty="0"/>
+              <a:t>, int Msg, </a:t>
+            </a:r>
+            <a:r>
+              <a:rPr lang="en-US" altLang="zh-CN" dirty="0" err="1"/>
+              <a:t>IntPtr</a:t>
+            </a:r>
+            <a:r>
+              <a:rPr lang="en-US" altLang="zh-CN" dirty="0"/>
+              <a:t> </a:t>
+            </a:r>
+            <a:r>
+              <a:rPr lang="en-US" altLang="zh-CN" dirty="0" err="1"/>
+              <a:t>wParam</a:t>
+            </a:r>
+            <a:r>
+              <a:rPr lang="en-US" altLang="zh-CN" dirty="0"/>
+              <a:t>, </a:t>
+            </a:r>
+            <a:r>
+              <a:rPr lang="en-US" altLang="zh-CN" dirty="0" err="1"/>
+              <a:t>IntPtr</a:t>
+            </a:r>
+            <a:r>
+              <a:rPr lang="en-US" altLang="zh-CN" dirty="0"/>
+              <a:t> </a:t>
+            </a:r>
+            <a:r>
+              <a:rPr lang="en-US" altLang="zh-CN" dirty="0" err="1"/>
+              <a:t>lParam</a:t>
+            </a:r>
+            <a:r>
+              <a:rPr lang="en-US" altLang="zh-CN" dirty="0"/>
+              <a:t>);</a:t>
+            </a:r>
             <a:endParaRPr lang="zh-CN" altLang="en-US" dirty="0"/>
           </a:p>
         </p:txBody>
@@ -4547,7 +4989,7 @@
           <a:p>
             <a:fld id="{FF6B7014-1CA7-42FF-9E69-87C27AE33F47}" type="slidenum">
               <a:rPr lang="zh-CN" altLang="en-US" smtClean="0"/>
-              <a:t>60</a:t>
+              <a:t>46</a:t>
             </a:fld>
             <a:endParaRPr lang="zh-CN" altLang="en-US"/>
           </a:p>
@@ -4556,7 +4998,7 @@
     </p:spTree>
     <p:extLst>
       <p:ext uri="{BB962C8B-B14F-4D97-AF65-F5344CB8AC3E}">
-        <p14:creationId xmlns:p14="http://schemas.microsoft.com/office/powerpoint/2010/main" val="1804267455"/>
+        <p14:creationId xmlns:p14="http://schemas.microsoft.com/office/powerpoint/2010/main" val="477558732"/>
       </p:ext>
     </p:extLst>
   </p:cSld>
@@ -4631,7 +5073,7 @@
           <a:p>
             <a:fld id="{FF6B7014-1CA7-42FF-9E69-87C27AE33F47}" type="slidenum">
               <a:rPr lang="zh-CN" altLang="en-US" smtClean="0"/>
-              <a:t>61</a:t>
+              <a:t>48</a:t>
             </a:fld>
             <a:endParaRPr lang="zh-CN" altLang="en-US"/>
           </a:p>
@@ -4640,7 +5082,7 @@
     </p:spTree>
     <p:extLst>
       <p:ext uri="{BB962C8B-B14F-4D97-AF65-F5344CB8AC3E}">
-        <p14:creationId xmlns:p14="http://schemas.microsoft.com/office/powerpoint/2010/main" val="27068981"/>
+        <p14:creationId xmlns:p14="http://schemas.microsoft.com/office/powerpoint/2010/main" val="79021405"/>
       </p:ext>
     </p:extLst>
   </p:cSld>
@@ -4696,7 +5138,7 @@
           <a:p>
             <a:r>
               <a:rPr lang="zh-CN" altLang="en-US" dirty="0"/>
-              <a:t>委托是一个可以引用方法的类型，当创建一个委托，也就创建一个引用方法的变量，进而就可以调用那个方法，即委托可以调用它所指的方法。</a:t>
+              <a:t>多重委托</a:t>
             </a:r>
           </a:p>
         </p:txBody>
@@ -4718,7 +5160,7 @@
           <a:p>
             <a:fld id="{FF6B7014-1CA7-42FF-9E69-87C27AE33F47}" type="slidenum">
               <a:rPr lang="zh-CN" altLang="en-US" smtClean="0"/>
-              <a:t>62</a:t>
+              <a:t>59</a:t>
             </a:fld>
             <a:endParaRPr lang="zh-CN" altLang="en-US"/>
           </a:p>
@@ -4727,7 +5169,7 @@
     </p:spTree>
     <p:extLst>
       <p:ext uri="{BB962C8B-B14F-4D97-AF65-F5344CB8AC3E}">
-        <p14:creationId xmlns:p14="http://schemas.microsoft.com/office/powerpoint/2010/main" val="2311240772"/>
+        <p14:creationId xmlns:p14="http://schemas.microsoft.com/office/powerpoint/2010/main" val="1877076824"/>
       </p:ext>
     </p:extLst>
   </p:cSld>
@@ -4920,7 +5362,7 @@
           <a:p>
             <a:fld id="{F0A08C6D-CA89-457F-88D7-56281A3E4E44}" type="datetimeFigureOut">
               <a:rPr lang="zh-CN" altLang="en-US" smtClean="0"/>
-              <a:t>2019/9/30</a:t>
+              <a:t>2019/10/8</a:t>
             </a:fld>
             <a:endParaRPr lang="zh-CN" altLang="en-US"/>
           </a:p>
@@ -9401,7 +9843,7 @@
           </p:nvPr>
         </p:nvPicPr>
         <p:blipFill>
-          <a:blip r:embed="rId2">
+          <a:blip r:embed="rId3">
             <a:extLst>
               <a:ext uri="{28A0092B-C50C-407E-A947-70E740481C1C}">
                 <a14:useLocalDpi xmlns:a14="http://schemas.microsoft.com/office/drawing/2010/main" val="0"/>
@@ -9720,7 +10162,7 @@
           <p:nvPr/>
         </p:nvPicPr>
         <p:blipFill>
-          <a:blip r:embed="rId2">
+          <a:blip r:embed="rId3">
             <a:extLst>
               <a:ext uri="{28A0092B-C50C-407E-A947-70E740481C1C}">
                 <a14:useLocalDpi xmlns:a14="http://schemas.microsoft.com/office/drawing/2010/main" val="0"/>
@@ -10024,6 +10466,164 @@
                 <a:schemeClr val="tx2"/>
               </a:solidFill>
             </a:endParaRPr>
+          </a:p>
+        </p:txBody>
+      </p:sp>
+      <p:sp>
+        <p:nvSpPr>
+          <p:cNvPr id="2" name="矩形 1">
+            <a:extLst>
+              <a:ext uri="{FF2B5EF4-FFF2-40B4-BE49-F238E27FC236}">
+                <a16:creationId xmlns:a16="http://schemas.microsoft.com/office/drawing/2014/main" id="{7E1D3AD4-6EB5-4116-801C-199A3D15FEB9}"/>
+              </a:ext>
+            </a:extLst>
+          </p:cNvPr>
+          <p:cNvSpPr/>
+          <p:nvPr/>
+        </p:nvSpPr>
+        <p:spPr>
+          <a:xfrm>
+            <a:off x="292750" y="4545107"/>
+            <a:ext cx="4276493" cy="1477328"/>
+          </a:xfrm>
+          <a:prstGeom prst="rect">
+            <a:avLst/>
+          </a:prstGeom>
+          <a:solidFill>
+            <a:schemeClr val="tx1"/>
+          </a:solidFill>
+        </p:spPr>
+        <p:txBody>
+          <a:bodyPr wrap="square">
+            <a:spAutoFit/>
+          </a:bodyPr>
+          <a:lstStyle/>
+          <a:p>
+            <a:r>
+              <a:rPr lang="en-US" altLang="zh-CN" sz="1800" dirty="0">
+                <a:solidFill>
+                  <a:schemeClr val="bg1"/>
+                </a:solidFill>
+                <a:latin typeface="Consolas" panose="020B0609020204030204" pitchFamily="49" charset="0"/>
+              </a:rPr>
+              <a:t>#ifdef _UNICODE </a:t>
+            </a:r>
+          </a:p>
+          <a:p>
+            <a:r>
+              <a:rPr lang="en-US" altLang="zh-CN" sz="1800" dirty="0">
+                <a:solidFill>
+                  <a:schemeClr val="bg1"/>
+                </a:solidFill>
+                <a:latin typeface="Consolas" panose="020B0609020204030204" pitchFamily="49" charset="0"/>
+              </a:rPr>
+              <a:t>#define _</a:t>
+            </a:r>
+            <a:r>
+              <a:rPr lang="en-US" altLang="zh-CN" sz="1800" dirty="0" err="1">
+                <a:solidFill>
+                  <a:schemeClr val="bg1"/>
+                </a:solidFill>
+                <a:latin typeface="Consolas" panose="020B0609020204030204" pitchFamily="49" charset="0"/>
+              </a:rPr>
+              <a:t>tWinMain</a:t>
+            </a:r>
+            <a:r>
+              <a:rPr lang="en-US" altLang="zh-CN" sz="1800" dirty="0">
+                <a:solidFill>
+                  <a:schemeClr val="bg1"/>
+                </a:solidFill>
+                <a:latin typeface="Consolas" panose="020B0609020204030204" pitchFamily="49" charset="0"/>
+              </a:rPr>
+              <a:t> </a:t>
+            </a:r>
+            <a:r>
+              <a:rPr lang="en-US" altLang="zh-CN" sz="1800" dirty="0" err="1">
+                <a:solidFill>
+                  <a:schemeClr val="bg1"/>
+                </a:solidFill>
+                <a:latin typeface="Consolas" panose="020B0609020204030204" pitchFamily="49" charset="0"/>
+              </a:rPr>
+              <a:t>wWinMain</a:t>
+            </a:r>
+            <a:r>
+              <a:rPr lang="en-US" altLang="zh-CN" sz="1800" dirty="0">
+                <a:solidFill>
+                  <a:schemeClr val="bg1"/>
+                </a:solidFill>
+                <a:latin typeface="Consolas" panose="020B0609020204030204" pitchFamily="49" charset="0"/>
+              </a:rPr>
+              <a:t> </a:t>
+            </a:r>
+          </a:p>
+          <a:p>
+            <a:r>
+              <a:rPr lang="en-US" altLang="zh-CN" sz="1800" dirty="0">
+                <a:solidFill>
+                  <a:schemeClr val="bg1"/>
+                </a:solidFill>
+                <a:latin typeface="Consolas" panose="020B0609020204030204" pitchFamily="49" charset="0"/>
+              </a:rPr>
+              <a:t>#else </a:t>
+            </a:r>
+          </a:p>
+          <a:p>
+            <a:r>
+              <a:rPr lang="en-US" altLang="zh-CN" sz="1800" dirty="0">
+                <a:solidFill>
+                  <a:schemeClr val="bg1"/>
+                </a:solidFill>
+                <a:latin typeface="Consolas" panose="020B0609020204030204" pitchFamily="49" charset="0"/>
+              </a:rPr>
+              <a:t>#define _</a:t>
+            </a:r>
+            <a:r>
+              <a:rPr lang="en-US" altLang="zh-CN" sz="1800" dirty="0" err="1">
+                <a:solidFill>
+                  <a:schemeClr val="bg1"/>
+                </a:solidFill>
+                <a:latin typeface="Consolas" panose="020B0609020204030204" pitchFamily="49" charset="0"/>
+              </a:rPr>
+              <a:t>tWinMain</a:t>
+            </a:r>
+            <a:r>
+              <a:rPr lang="en-US" altLang="zh-CN" sz="1800" dirty="0">
+                <a:solidFill>
+                  <a:schemeClr val="bg1"/>
+                </a:solidFill>
+                <a:latin typeface="Consolas" panose="020B0609020204030204" pitchFamily="49" charset="0"/>
+              </a:rPr>
+              <a:t> </a:t>
+            </a:r>
+            <a:r>
+              <a:rPr lang="en-US" altLang="zh-CN" sz="1800" dirty="0" err="1">
+                <a:solidFill>
+                  <a:schemeClr val="bg1"/>
+                </a:solidFill>
+                <a:latin typeface="Consolas" panose="020B0609020204030204" pitchFamily="49" charset="0"/>
+              </a:rPr>
+              <a:t>WinMain</a:t>
+            </a:r>
+            <a:r>
+              <a:rPr lang="en-US" altLang="zh-CN" sz="1800" dirty="0">
+                <a:solidFill>
+                  <a:schemeClr val="bg1"/>
+                </a:solidFill>
+                <a:latin typeface="Consolas" panose="020B0609020204030204" pitchFamily="49" charset="0"/>
+              </a:rPr>
+              <a:t> </a:t>
+            </a:r>
+          </a:p>
+          <a:p>
+            <a:r>
+              <a:rPr lang="en-US" altLang="zh-CN" sz="1800" dirty="0">
+                <a:solidFill>
+                  <a:schemeClr val="bg1"/>
+                </a:solidFill>
+                <a:latin typeface="Consolas" panose="020B0609020204030204" pitchFamily="49" charset="0"/>
+              </a:rPr>
+              <a:t>#endif</a:t>
+            </a:r>
           </a:p>
         </p:txBody>
       </p:sp>
@@ -13964,6 +14564,50 @@
             </a:pPr>
             <a:endParaRPr lang="zh-CN" altLang="en-US" sz="1800">
               <a:latin typeface="Arial" panose="020B0604020202020204" pitchFamily="34" charset="0"/>
+            </a:endParaRPr>
+          </a:p>
+        </p:txBody>
+      </p:sp>
+      <p:sp>
+        <p:nvSpPr>
+          <p:cNvPr id="2" name="矩形 1">
+            <a:extLst>
+              <a:ext uri="{FF2B5EF4-FFF2-40B4-BE49-F238E27FC236}">
+                <a16:creationId xmlns:a16="http://schemas.microsoft.com/office/drawing/2014/main" id="{835BC61A-018F-4DCC-AB3F-0648521030D7}"/>
+              </a:ext>
+            </a:extLst>
+          </p:cNvPr>
+          <p:cNvSpPr/>
+          <p:nvPr/>
+        </p:nvSpPr>
+        <p:spPr>
+          <a:xfrm>
+            <a:off x="1059888" y="6428355"/>
+            <a:ext cx="10443881" cy="307777"/>
+          </a:xfrm>
+          <a:prstGeom prst="rect">
+            <a:avLst/>
+          </a:prstGeom>
+        </p:spPr>
+        <p:txBody>
+          <a:bodyPr wrap="square">
+            <a:spAutoFit/>
+          </a:bodyPr>
+          <a:lstStyle/>
+          <a:p>
+            <a:pPr algn="ctr"/>
+            <a:r>
+              <a:rPr lang="en-US" altLang="zh-CN" b="1" dirty="0">
+                <a:solidFill>
+                  <a:srgbClr val="7030A0"/>
+                </a:solidFill>
+              </a:rPr>
+              <a:t>https://github.com/marb2000/XamlIslands/blob/master/1903_Samples/CppWinRT_Win32_SingleIsland/SampleCppApp/SampleApp.cpp</a:t>
+            </a:r>
+            <a:endParaRPr lang="zh-CN" altLang="en-US" b="1" dirty="0">
+              <a:solidFill>
+                <a:srgbClr val="7030A0"/>
+              </a:solidFill>
             </a:endParaRPr>
           </a:p>
         </p:txBody>
@@ -37628,12 +38272,12 @@
         <p:spPr>
           <a:xfrm>
             <a:off x="0" y="1573213"/>
-            <a:ext cx="4122738" cy="3881437"/>
+            <a:ext cx="4464424" cy="3881437"/>
           </a:xfrm>
         </p:spPr>
         <p:txBody>
           <a:bodyPr>
-            <a:normAutofit fontScale="92500"/>
+            <a:normAutofit/>
           </a:bodyPr>
           <a:lstStyle/>
           <a:p>
@@ -37661,21 +38305,7 @@
           <a:p>
             <a:r>
               <a:rPr lang="zh-CN" altLang="en-US" sz="3200" dirty="0"/>
-              <a:t> 窗体定义钩子接收</a:t>
-            </a:r>
-            <a:endParaRPr lang="en-US" altLang="zh-CN" sz="3200" dirty="0"/>
-          </a:p>
-          <a:p>
-            <a:pPr marL="0" indent="0">
-              <a:buNone/>
-            </a:pPr>
-            <a:r>
-              <a:rPr lang="en-US" altLang="zh-CN" sz="3200" dirty="0"/>
-              <a:t>    </a:t>
-            </a:r>
-            <a:r>
-              <a:rPr lang="zh-CN" altLang="en-US" sz="3200" dirty="0"/>
-              <a:t>，并处理消息</a:t>
+              <a:t> 窗体定义钩子接收，并处理消息</a:t>
             </a:r>
           </a:p>
           <a:p>
